--- a/2024.2_IT3120_Nhóm23.pptx
+++ b/2024.2_IT3120_Nhóm23.pptx
@@ -147,6 +147,11 @@
       </a:defRPr>
     </a:lvl9pPr>
   </p:defaultTextStyle>
+  <p:extLst>
+    <p:ext uri="{EFAFB233-063F-42B5-8137-9DF3F51BA10A}">
+      <p15:sldGuideLst xmlns:p15="http://schemas.microsoft.com/office/powerpoint/2012/main"/>
+    </p:ext>
+  </p:extLst>
 </p:presentation>
 </file>
 
@@ -163,7 +168,7 @@
   <pc:docChgLst>
     <pc:chgData name="Nguyen Kim Cuong 20224939" userId="e76af543-f080-4614-942a-aaad8d3e97b1" providerId="ADAL" clId="{E7EAC436-06A3-4615-8EAF-9FCE7B63213A}"/>
     <pc:docChg chg="undo custSel addSld delSld modSld sldOrd delMainMaster">
-      <pc:chgData name="Nguyen Kim Cuong 20224939" userId="e76af543-f080-4614-942a-aaad8d3e97b1" providerId="ADAL" clId="{E7EAC436-06A3-4615-8EAF-9FCE7B63213A}" dt="2025-05-29T06:54:30.617" v="4828" actId="404"/>
+      <pc:chgData name="Nguyen Kim Cuong 20224939" userId="e76af543-f080-4614-942a-aaad8d3e97b1" providerId="ADAL" clId="{E7EAC436-06A3-4615-8EAF-9FCE7B63213A}" dt="2025-05-30T07:59:58.058" v="4829" actId="20577"/>
       <pc:docMkLst>
         <pc:docMk/>
       </pc:docMkLst>
@@ -280,7 +285,7 @@
         </pc:sldMkLst>
       </pc:sldChg>
       <pc:sldChg chg="modSp add mod">
-        <pc:chgData name="Nguyen Kim Cuong 20224939" userId="e76af543-f080-4614-942a-aaad8d3e97b1" providerId="ADAL" clId="{E7EAC436-06A3-4615-8EAF-9FCE7B63213A}" dt="2025-05-29T06:14:33.809" v="3117" actId="21"/>
+        <pc:chgData name="Nguyen Kim Cuong 20224939" userId="e76af543-f080-4614-942a-aaad8d3e97b1" providerId="ADAL" clId="{E7EAC436-06A3-4615-8EAF-9FCE7B63213A}" dt="2025-05-30T07:59:58.058" v="4829" actId="20577"/>
         <pc:sldMkLst>
           <pc:docMk/>
           <pc:sldMk cId="1893992049" sldId="265"/>
@@ -294,7 +299,7 @@
           </ac:spMkLst>
         </pc:spChg>
         <pc:spChg chg="mod">
-          <ac:chgData name="Nguyen Kim Cuong 20224939" userId="e76af543-f080-4614-942a-aaad8d3e97b1" providerId="ADAL" clId="{E7EAC436-06A3-4615-8EAF-9FCE7B63213A}" dt="2025-05-29T06:14:33.809" v="3117" actId="21"/>
+          <ac:chgData name="Nguyen Kim Cuong 20224939" userId="e76af543-f080-4614-942a-aaad8d3e97b1" providerId="ADAL" clId="{E7EAC436-06A3-4615-8EAF-9FCE7B63213A}" dt="2025-05-30T07:59:58.058" v="4829" actId="20577"/>
           <ac:spMkLst>
             <pc:docMk/>
             <pc:sldMk cId="1893992049" sldId="265"/>
@@ -1815,7 +1820,7 @@
           <a:p>
             <a:fld id="{B108CAA8-5AFC-4903-BC78-1C776860478C}" type="datetimeFigureOut">
               <a:rPr lang="en-US" smtClean="0"/>
-              <a:t>29-May-25</a:t>
+              <a:t>30-May-25</a:t>
             </a:fld>
             <a:endParaRPr lang="en-US"/>
           </a:p>
@@ -28780,7 +28785,7 @@
         <p:spPr>
           <a:xfrm>
             <a:off x="0" y="797510"/>
-            <a:ext cx="10810567" cy="3108543"/>
+            <a:ext cx="10810567" cy="2677656"/>
           </a:xfrm>
           <a:prstGeom prst="rect">
             <a:avLst/>
@@ -29097,90 +29102,8 @@
               <a:t>hành</a:t>
             </a:r>
             <a:r>
-              <a:rPr lang="en-US" sz="2800" dirty="0"/>
+              <a:rPr lang="en-US" sz="2800"/>
               <a:t> vi</a:t>
-            </a:r>
-          </a:p>
-          <a:p>
-            <a:pPr marL="1200150" lvl="2" indent="-285750">
-              <a:buFont typeface="Arial" panose="020B0604020202020204" pitchFamily="34" charset="0"/>
-              <a:buChar char="•"/>
-            </a:pPr>
-            <a:r>
-              <a:rPr lang="en-US" sz="2800" dirty="0" err="1"/>
-              <a:t>Mô</a:t>
-            </a:r>
-            <a:r>
-              <a:rPr lang="en-US" sz="2800" dirty="0"/>
-              <a:t> </a:t>
-            </a:r>
-            <a:r>
-              <a:rPr lang="en-US" sz="2800" dirty="0" err="1"/>
-              <a:t>hình</a:t>
-            </a:r>
-            <a:r>
-              <a:rPr lang="en-US" sz="2800" dirty="0"/>
-              <a:t> </a:t>
-            </a:r>
-            <a:r>
-              <a:rPr lang="en-US" sz="2800" dirty="0" err="1"/>
-              <a:t>hóa</a:t>
-            </a:r>
-            <a:r>
-              <a:rPr lang="en-US" sz="2800" dirty="0"/>
-              <a:t> </a:t>
-            </a:r>
-            <a:r>
-              <a:rPr lang="en-US" sz="2800" dirty="0" err="1"/>
-              <a:t>hành</a:t>
-            </a:r>
-            <a:r>
-              <a:rPr lang="en-US" sz="2800" dirty="0"/>
-              <a:t> vi </a:t>
-            </a:r>
-            <a:r>
-              <a:rPr lang="en-US" sz="2800" dirty="0" err="1"/>
-              <a:t>với</a:t>
-            </a:r>
-            <a:r>
-              <a:rPr lang="en-US" sz="2800" dirty="0"/>
-              <a:t> </a:t>
-            </a:r>
-            <a:r>
-              <a:rPr lang="en-US" sz="2800" dirty="0" err="1"/>
-              <a:t>biểu</a:t>
-            </a:r>
-            <a:r>
-              <a:rPr lang="en-US" sz="2800" dirty="0"/>
-              <a:t> </a:t>
-            </a:r>
-            <a:r>
-              <a:rPr lang="en-US" sz="2800" dirty="0" err="1"/>
-              <a:t>đồ</a:t>
-            </a:r>
-            <a:r>
-              <a:rPr lang="en-US" sz="2800" dirty="0"/>
-              <a:t> </a:t>
-            </a:r>
-            <a:r>
-              <a:rPr lang="en-US" sz="2800" dirty="0" err="1"/>
-              <a:t>máy</a:t>
-            </a:r>
-            <a:r>
-              <a:rPr lang="en-US" sz="2800" dirty="0"/>
-              <a:t> </a:t>
-            </a:r>
-            <a:r>
-              <a:rPr lang="en-US" sz="2800" dirty="0" err="1"/>
-              <a:t>trạng</a:t>
-            </a:r>
-            <a:r>
-              <a:rPr lang="en-US" sz="2800" dirty="0"/>
-              <a:t> </a:t>
-            </a:r>
-            <a:r>
-              <a:rPr lang="en-US" sz="2800" dirty="0" err="1"/>
-              <a:t>thái</a:t>
             </a:r>
             <a:endParaRPr lang="en-US" sz="2800" dirty="0"/>
           </a:p>
